--- a/WORD/luanvan_nhanhnt_ver10.pptx
+++ b/WORD/luanvan_nhanhnt_ver10.pptx
@@ -230,7 +230,7 @@
           <a:p>
             <a:fld id="{CA3BC56F-4620-49B9-A5A5-EC9358827620}" type="datetimeFigureOut">
               <a:rPr lang="en-US" smtClean="0"/>
-              <a:t>22/4/2016</a:t>
+              <a:t>26/4/2016</a:t>
             </a:fld>
             <a:endParaRPr lang="en-US"/>
           </a:p>
@@ -2824,7 +2824,7 @@
           <a:p>
             <a:fld id="{C53D5415-BEED-41C8-9341-492C4CB8B6BD}" type="datetime1">
               <a:rPr lang="en-US" smtClean="0"/>
-              <a:t>22/4/2016</a:t>
+              <a:t>26/4/2016</a:t>
             </a:fld>
             <a:endParaRPr lang="en-US"/>
           </a:p>
@@ -9526,11 +9526,7 @@
             </a:pPr>
             <a:r>
               <a:rPr lang="en-US" b="1" dirty="0" smtClean="0"/>
-              <a:t>Vấn </a:t>
-            </a:r>
-            <a:r>
-              <a:rPr lang="en-US" b="1" dirty="0" smtClean="0"/>
-              <a:t>đề</a:t>
+              <a:t>Vấn đề</a:t>
             </a:r>
           </a:p>
           <a:p>
@@ -18010,17 +18006,7 @@
                 <a:latin typeface="Times New Roman" pitchFamily="18" charset="0"/>
                 <a:cs typeface="Times New Roman" pitchFamily="18" charset="0"/>
               </a:rPr>
-              <a:t>add</a:t>
-            </a:r>
-            <a:r>
-              <a:rPr lang="en-GB" sz="1500" dirty="0">
-                <a:solidFill>
-                  <a:schemeClr val="accent6"/>
-                </a:solidFill>
-                <a:latin typeface="Times New Roman" pitchFamily="18" charset="0"/>
-                <a:cs typeface="Times New Roman" pitchFamily="18" charset="0"/>
-              </a:rPr>
-              <a:t>"&gt;</a:t>
+              <a:t>add"&gt;</a:t>
             </a:r>
             <a:endParaRPr lang="en-US" sz="1500" dirty="0">
               <a:solidFill>
@@ -20569,7 +20555,7 @@
           <a:p>
             <a:pPr marL="457200" lvl="0" indent="-457200">
               <a:buFont typeface="+mj-lt"/>
-              <a:buAutoNum type="arabicPeriod" startAt="3"/>
+              <a:buAutoNum type="arabicPeriod" startAt="2"/>
             </a:pPr>
             <a:r>
               <a:rPr lang="en-US" b="0" dirty="0"/>
@@ -20591,7 +20577,7 @@
           <a:p>
             <a:pPr marL="457200" lvl="0" indent="-457200">
               <a:buFont typeface="+mj-lt"/>
-              <a:buAutoNum type="arabicPeriod" startAt="3"/>
+              <a:buAutoNum type="arabicPeriod" startAt="2"/>
             </a:pPr>
             <a:r>
               <a:rPr lang="en-US" b="0" dirty="0"/>
